--- a/Day 11 - CSS – Continued.pptx
+++ b/Day 11 - CSS – Continued.pptx
@@ -111,6 +111,11 @@
       </a:defRPr>
     </a:lvl9pPr>
   </p:defaultTextStyle>
+  <p:extLst>
+    <p:ext uri="{EFAFB233-063F-42B5-8137-9DF3F51BA10A}">
+      <p15:sldGuideLst xmlns:p15="http://schemas.microsoft.com/office/powerpoint/2012/main"/>
+    </p:ext>
+  </p:extLst>
 </p:presentation>
 </file>
 
@@ -20218,6 +20223,13 @@
   <p:clrMapOvr>
     <a:masterClrMapping/>
   </p:clrMapOvr>
+  <p:timing>
+    <p:tnLst>
+      <p:par>
+        <p:cTn id="1" dur="indefinite" restart="never" nodeType="tmRoot"/>
+      </p:par>
+    </p:tnLst>
+  </p:timing>
 </p:sld>
 </file>
 
@@ -20469,6 +20481,23 @@
               <a:tabLst/>
               <a:defRPr/>
             </a:pPr>
+            <a:r>
+              <a:rPr kumimoji="0" lang="en-US" sz="4200" b="0" i="0" u="none" strike="noStrike" kern="1200" cap="none" spc="0" normalizeH="0" baseline="0" noProof="0" dirty="0">
+                <a:ln>
+                  <a:noFill/>
+                </a:ln>
+                <a:solidFill>
+                  <a:srgbClr val="EBEBEB"/>
+                </a:solidFill>
+                <a:effectLst/>
+                <a:uLnTx/>
+                <a:uFillTx/>
+                <a:latin typeface="Century Gothic" panose="020B0502020202020204"/>
+                <a:ea typeface="+mj-ea"/>
+                <a:cs typeface="+mj-cs"/>
+              </a:rPr>
+              <a:t/>
+            </a:r>
             <a:br>
               <a:rPr kumimoji="0" lang="en-US" sz="4200" b="0" i="0" u="none" strike="noStrike" kern="1200" cap="none" spc="0" normalizeH="0" baseline="0" noProof="0" dirty="0">
                 <a:ln>
@@ -20893,6 +20922,23 @@
               </a:rPr>
               <a:t>Multiple Backgrounds</a:t>
             </a:r>
+            <a:r>
+              <a:rPr kumimoji="0" lang="en-US" sz="4200" b="0" i="0" u="none" strike="noStrike" kern="1200" cap="none" spc="0" normalizeH="0" baseline="0" noProof="0" dirty="0">
+                <a:ln>
+                  <a:noFill/>
+                </a:ln>
+                <a:solidFill>
+                  <a:srgbClr val="EBEBEB"/>
+                </a:solidFill>
+                <a:effectLst/>
+                <a:uLnTx/>
+                <a:uFillTx/>
+                <a:latin typeface="Century Gothic" panose="020B0502020202020204"/>
+                <a:ea typeface="+mj-ea"/>
+                <a:cs typeface="+mj-cs"/>
+              </a:rPr>
+              <a:t/>
+            </a:r>
             <a:br>
               <a:rPr kumimoji="0" lang="en-US" sz="4200" b="0" i="0" u="none" strike="noStrike" kern="1200" cap="none" spc="0" normalizeH="0" baseline="0" noProof="0" dirty="0">
                 <a:ln>
@@ -21203,6 +21249,13 @@
   <p:clrMapOvr>
     <a:masterClrMapping/>
   </p:clrMapOvr>
+  <p:timing>
+    <p:tnLst>
+      <p:par>
+        <p:cTn id="1" dur="indefinite" restart="never" nodeType="tmRoot"/>
+      </p:par>
+    </p:tnLst>
+  </p:timing>
 </p:sld>
 </file>
 
@@ -21403,6 +21456,23 @@
             <a:r>
               <a:rPr lang="en-US" dirty="0"/>
               <a:t>CSS Text Effects</a:t>
+            </a:r>
+            <a:r>
+              <a:rPr kumimoji="0" lang="en-US" sz="4200" b="0" i="0" u="none" strike="noStrike" kern="1200" cap="none" spc="0" normalizeH="0" baseline="0" noProof="0" dirty="0">
+                <a:ln>
+                  <a:noFill/>
+                </a:ln>
+                <a:solidFill>
+                  <a:srgbClr val="EBEBEB"/>
+                </a:solidFill>
+                <a:effectLst/>
+                <a:uLnTx/>
+                <a:uFillTx/>
+                <a:latin typeface="Century Gothic" panose="020B0502020202020204"/>
+                <a:ea typeface="+mj-ea"/>
+                <a:cs typeface="+mj-cs"/>
+              </a:rPr>
+              <a:t/>
             </a:r>
             <a:br>
               <a:rPr kumimoji="0" lang="en-US" sz="4200" b="0" i="0" u="none" strike="noStrike" kern="1200" cap="none" spc="0" normalizeH="0" baseline="0" noProof="0" dirty="0">
@@ -21823,6 +21893,23 @@
               <a:rPr lang="en-US" dirty="0"/>
               <a:t>Web Fonts</a:t>
             </a:r>
+            <a:r>
+              <a:rPr kumimoji="0" lang="en-US" sz="4200" b="0" i="0" u="none" strike="noStrike" kern="1200" cap="none" spc="0" normalizeH="0" baseline="0" noProof="0" dirty="0">
+                <a:ln>
+                  <a:noFill/>
+                </a:ln>
+                <a:solidFill>
+                  <a:srgbClr val="EBEBEB"/>
+                </a:solidFill>
+                <a:effectLst/>
+                <a:uLnTx/>
+                <a:uFillTx/>
+                <a:latin typeface="Century Gothic" panose="020B0502020202020204"/>
+                <a:ea typeface="+mj-ea"/>
+                <a:cs typeface="+mj-cs"/>
+              </a:rPr>
+              <a:t/>
+            </a:r>
             <a:br>
               <a:rPr kumimoji="0" lang="en-US" sz="4200" b="0" i="0" u="none" strike="noStrike" kern="1200" cap="none" spc="0" normalizeH="0" baseline="0" noProof="0" dirty="0">
                 <a:ln>
@@ -22133,6 +22220,13 @@
   <p:clrMapOvr>
     <a:masterClrMapping/>
   </p:clrMapOvr>
+  <p:timing>
+    <p:tnLst>
+      <p:par>
+        <p:cTn id="1" dur="indefinite" restart="never" nodeType="tmRoot"/>
+      </p:par>
+    </p:tnLst>
+  </p:timing>
 </p:sld>
 </file>
 
@@ -22333,6 +22427,23 @@
             <a:r>
               <a:rPr lang="en-US" dirty="0"/>
               <a:t>CSS User Interface</a:t>
+            </a:r>
+            <a:r>
+              <a:rPr kumimoji="0" lang="en-US" sz="4200" b="0" i="0" u="none" strike="noStrike" kern="1200" cap="none" spc="0" normalizeH="0" baseline="0" noProof="0" dirty="0">
+                <a:ln>
+                  <a:noFill/>
+                </a:ln>
+                <a:solidFill>
+                  <a:srgbClr val="EBEBEB"/>
+                </a:solidFill>
+                <a:effectLst/>
+                <a:uLnTx/>
+                <a:uFillTx/>
+                <a:latin typeface="Century Gothic" panose="020B0502020202020204"/>
+                <a:ea typeface="+mj-ea"/>
+                <a:cs typeface="+mj-cs"/>
+              </a:rPr>
+              <a:t/>
             </a:r>
             <a:br>
               <a:rPr kumimoji="0" lang="en-US" sz="4200" b="0" i="0" u="none" strike="noStrike" kern="1200" cap="none" spc="0" normalizeH="0" baseline="0" noProof="0" dirty="0">
@@ -22740,6 +22851,23 @@
               </a:rPr>
               <a:t>CSS Variables</a:t>
             </a:r>
+            <a:r>
+              <a:rPr kumimoji="0" lang="en-US" sz="4200" b="0" i="0" u="none" strike="noStrike" kern="1200" cap="none" spc="0" normalizeH="0" baseline="0" noProof="0" dirty="0">
+                <a:ln>
+                  <a:noFill/>
+                </a:ln>
+                <a:solidFill>
+                  <a:srgbClr val="EBEBEB"/>
+                </a:solidFill>
+                <a:effectLst/>
+                <a:uLnTx/>
+                <a:uFillTx/>
+                <a:latin typeface="Century Gothic" panose="020B0502020202020204"/>
+                <a:ea typeface="+mj-ea"/>
+                <a:cs typeface="+mj-cs"/>
+              </a:rPr>
+              <a:t/>
+            </a:r>
             <a:br>
               <a:rPr kumimoji="0" lang="en-US" sz="4200" b="0" i="0" u="none" strike="noStrike" kern="1200" cap="none" spc="0" normalizeH="0" baseline="0" noProof="0" dirty="0">
                 <a:ln>
@@ -23066,6 +23194,13 @@
   <p:clrMapOvr>
     <a:masterClrMapping/>
   </p:clrMapOvr>
+  <p:timing>
+    <p:tnLst>
+      <p:par>
+        <p:cTn id="1" dur="indefinite" restart="never" nodeType="tmRoot"/>
+      </p:par>
+    </p:tnLst>
+  </p:timing>
 </p:sld>
 </file>
 
@@ -23142,7 +23277,19 @@
           <a:p>
             <a:r>
               <a:rPr lang="en-US" dirty="0"/>
-              <a:t>Type this is your </a:t>
+              <a:t>Type </a:t>
+            </a:r>
+            <a:r>
+              <a:rPr lang="en-US"/>
+              <a:t>this </a:t>
+            </a:r>
+            <a:r>
+              <a:rPr lang="en-US" smtClean="0"/>
+              <a:t>in </a:t>
+            </a:r>
+            <a:r>
+              <a:rPr lang="en-US" dirty="0"/>
+              <a:t>your </a:t>
             </a:r>
             <a:r>
               <a:rPr lang="en-US" b="1" dirty="0"/>
@@ -23195,6 +23342,13 @@
   <p:clrMapOvr>
     <a:masterClrMapping/>
   </p:clrMapOvr>
+  <p:timing>
+    <p:tnLst>
+      <p:par>
+        <p:cTn id="1" dur="indefinite" restart="never" nodeType="tmRoot"/>
+      </p:par>
+    </p:tnLst>
+  </p:timing>
 </p:sld>
 </file>
 
@@ -23271,7 +23425,15 @@
           <a:p>
             <a:r>
               <a:rPr lang="en-US" dirty="0"/>
-              <a:t>Type this is your </a:t>
+              <a:t>Type this </a:t>
+            </a:r>
+            <a:r>
+              <a:rPr lang="en-US" dirty="0" smtClean="0"/>
+              <a:t>in </a:t>
+            </a:r>
+            <a:r>
+              <a:rPr lang="en-US" dirty="0"/>
+              <a:t>your </a:t>
             </a:r>
             <a:r>
               <a:rPr lang="en-US" b="1" dirty="0"/>
@@ -23324,6 +23486,13 @@
   <p:clrMapOvr>
     <a:masterClrMapping/>
   </p:clrMapOvr>
+  <p:timing>
+    <p:tnLst>
+      <p:par>
+        <p:cTn id="1" dur="indefinite" restart="never" nodeType="tmRoot"/>
+      </p:par>
+    </p:tnLst>
+  </p:timing>
 </p:sld>
 </file>
 
@@ -23519,6 +23688,13 @@
   <p:clrMapOvr>
     <a:masterClrMapping/>
   </p:clrMapOvr>
+  <p:timing>
+    <p:tnLst>
+      <p:par>
+        <p:cTn id="1" dur="indefinite" restart="never" nodeType="tmRoot"/>
+      </p:par>
+    </p:tnLst>
+  </p:timing>
 </p:sld>
 </file>
 
